--- a/PPT/Design Pattern.pptx
+++ b/PPT/Design Pattern.pptx
@@ -5,14 +5,17 @@
     <p:sldMasterId id="2147483672" r:id="rId1"/>
   </p:sldMasterIdLst>
   <p:notesMasterIdLst>
-    <p:notesMasterId r:id="rId4"/>
+    <p:notesMasterId r:id="rId7"/>
   </p:notesMasterIdLst>
   <p:handoutMasterIdLst>
-    <p:handoutMasterId r:id="rId5"/>
+    <p:handoutMasterId r:id="rId8"/>
   </p:handoutMasterIdLst>
   <p:sldIdLst>
     <p:sldId id="256" r:id="rId2"/>
     <p:sldId id="257" r:id="rId3"/>
+    <p:sldId id="259" r:id="rId4"/>
+    <p:sldId id="258" r:id="rId5"/>
+    <p:sldId id="261" r:id="rId6"/>
   </p:sldIdLst>
   <p:sldSz cx="9144000" cy="6858000" type="screen4x3"/>
   <p:notesSz cx="6858000" cy="9144000"/>
@@ -196,7 +199,7 @@
           <a:p>
             <a:fld id="{17806815-3539-4E30-9E9C-D565B895207C}" type="datetimeFigureOut">
               <a:rPr lang="en-US" smtClean="0"/>
-              <a:t>6/20/2014</a:t>
+              <a:t>6/24/2014</a:t>
             </a:fld>
             <a:endParaRPr lang="en-US"/>
           </a:p>
@@ -361,7 +364,7 @@
           <a:p>
             <a:fld id="{27469377-58D4-4216-B900-BE5CCBE70600}" type="datetimeFigureOut">
               <a:rPr lang="en-US" smtClean="0"/>
-              <a:t>6/20/2014</a:t>
+              <a:t>6/24/2014</a:t>
             </a:fld>
             <a:endParaRPr lang="en-US"/>
           </a:p>
@@ -930,7 +933,7 @@
           <a:p>
             <a:fld id="{FB3B4B9D-8C95-4322-8213-508E43AE9EB6}" type="datetimeFigureOut">
               <a:rPr lang="en-US" smtClean="0"/>
-              <a:t>6/20/2014</a:t>
+              <a:t>6/24/2014</a:t>
             </a:fld>
             <a:endParaRPr lang="en-US"/>
           </a:p>
@@ -1095,7 +1098,7 @@
           <a:p>
             <a:fld id="{FB3B4B9D-8C95-4322-8213-508E43AE9EB6}" type="datetimeFigureOut">
               <a:rPr lang="en-US" smtClean="0"/>
-              <a:t>6/20/2014</a:t>
+              <a:t>6/24/2014</a:t>
             </a:fld>
             <a:endParaRPr lang="en-US"/>
           </a:p>
@@ -1270,7 +1273,7 @@
           <a:p>
             <a:fld id="{FB3B4B9D-8C95-4322-8213-508E43AE9EB6}" type="datetimeFigureOut">
               <a:rPr lang="en-US" smtClean="0"/>
-              <a:t>6/20/2014</a:t>
+              <a:t>6/24/2014</a:t>
             </a:fld>
             <a:endParaRPr lang="en-US"/>
           </a:p>
@@ -1440,7 +1443,7 @@
           <a:p>
             <a:fld id="{FB3B4B9D-8C95-4322-8213-508E43AE9EB6}" type="datetimeFigureOut">
               <a:rPr lang="en-US" smtClean="0"/>
-              <a:t>6/20/2014</a:t>
+              <a:t>6/24/2014</a:t>
             </a:fld>
             <a:endParaRPr lang="en-US"/>
           </a:p>
@@ -1563,7 +1566,7 @@
           <a:p>
             <a:fld id="{FB3B4B9D-8C95-4322-8213-508E43AE9EB6}" type="datetimeFigureOut">
               <a:rPr lang="en-US" smtClean="0"/>
-              <a:t>6/20/2014</a:t>
+              <a:t>6/24/2014</a:t>
             </a:fld>
             <a:endParaRPr lang="en-US"/>
           </a:p>
@@ -1953,7 +1956,7 @@
           <a:p>
             <a:fld id="{FB3B4B9D-8C95-4322-8213-508E43AE9EB6}" type="datetimeFigureOut">
               <a:rPr lang="en-US" smtClean="0"/>
-              <a:t>6/20/2014</a:t>
+              <a:t>6/24/2014</a:t>
             </a:fld>
             <a:endParaRPr lang="en-US"/>
           </a:p>
@@ -2442,7 +2445,7 @@
           <a:p>
             <a:fld id="{FB3B4B9D-8C95-4322-8213-508E43AE9EB6}" type="datetimeFigureOut">
               <a:rPr lang="en-US" smtClean="0"/>
-              <a:t>6/20/2014</a:t>
+              <a:t>6/24/2014</a:t>
             </a:fld>
             <a:endParaRPr lang="en-US"/>
           </a:p>
@@ -2555,7 +2558,7 @@
           <a:p>
             <a:fld id="{FB3B4B9D-8C95-4322-8213-508E43AE9EB6}" type="datetimeFigureOut">
               <a:rPr lang="en-US" smtClean="0"/>
-              <a:t>6/20/2014</a:t>
+              <a:t>6/24/2014</a:t>
             </a:fld>
             <a:endParaRPr lang="en-US"/>
           </a:p>
@@ -2678,7 +2681,7 @@
           <a:p>
             <a:fld id="{FB3B4B9D-8C95-4322-8213-508E43AE9EB6}" type="datetimeFigureOut">
               <a:rPr lang="en-US" smtClean="0"/>
-              <a:t>6/20/2014</a:t>
+              <a:t>6/24/2014</a:t>
             </a:fld>
             <a:endParaRPr lang="en-US"/>
           </a:p>
@@ -2867,7 +2870,7 @@
           <a:p>
             <a:fld id="{FB3B4B9D-8C95-4322-8213-508E43AE9EB6}" type="datetimeFigureOut">
               <a:rPr lang="en-US" smtClean="0"/>
-              <a:t>6/20/2014</a:t>
+              <a:t>6/24/2014</a:t>
             </a:fld>
             <a:endParaRPr lang="en-US"/>
           </a:p>
@@ -3250,7 +3253,7 @@
           <a:p>
             <a:fld id="{FB3B4B9D-8C95-4322-8213-508E43AE9EB6}" type="datetimeFigureOut">
               <a:rPr lang="en-US" smtClean="0"/>
-              <a:t>6/20/2014</a:t>
+              <a:t>6/24/2014</a:t>
             </a:fld>
             <a:endParaRPr lang="en-US"/>
           </a:p>
@@ -3486,7 +3489,7 @@
           <a:p>
             <a:fld id="{FB3B4B9D-8C95-4322-8213-508E43AE9EB6}" type="datetimeFigureOut">
               <a:rPr lang="en-US" smtClean="0"/>
-              <a:t>6/20/2014</a:t>
+              <a:t>6/24/2014</a:t>
             </a:fld>
             <a:endParaRPr lang="en-US"/>
           </a:p>
@@ -3967,9 +3970,10 @@
           <a:lstStyle/>
           <a:p>
             <a:r>
-              <a:rPr lang="en-US" sz="2900" dirty="0" smtClean="0"/>
-              <a:t>Owen Klein</a:t>
-            </a:r>
+              <a:rPr lang="en-US" sz="2900" dirty="0" err="1" smtClean="0"/>
+              <a:t>Owen∙Klein</a:t>
+            </a:r>
+            <a:endParaRPr lang="en-US" sz="2900" dirty="0" smtClean="0"/>
           </a:p>
           <a:p>
             <a:r>
@@ -4093,10 +4097,47 @@
           <a:noFill/>
         </p:spPr>
         <p:txBody>
-          <a:bodyPr/>
-          <a:lstStyle/>
-          <a:p>
-            <a:endParaRPr lang="en-US" dirty="0"/>
+          <a:bodyPr>
+            <a:normAutofit lnSpcReduction="10000"/>
+          </a:bodyPr>
+          <a:lstStyle/>
+          <a:p>
+            <a:r>
+              <a:rPr lang="en-US" sz="2400" dirty="0"/>
+              <a:t>I</a:t>
+            </a:r>
+            <a:r>
+              <a:rPr lang="en-US" dirty="0"/>
+              <a:t>n software engineering, a design pattern is a general reusable solution to a commonly occurring problem within a given context in software design. A design pattern is not a finished design that can be transformed directly into source or machine code. It is a description or template for how to solve a problem that can be used in many different situations</a:t>
+            </a:r>
+            <a:r>
+              <a:rPr lang="en-US" dirty="0" smtClean="0"/>
+              <a:t>.</a:t>
+            </a:r>
+          </a:p>
+          <a:p>
+            <a:pPr indent="0" algn="r">
+              <a:buNone/>
+            </a:pPr>
+            <a:r>
+              <a:rPr lang="en-US" i="1" dirty="0" smtClean="0">
+                <a:solidFill>
+                  <a:schemeClr val="tx1">
+                    <a:lumMod val="65000"/>
+                    <a:lumOff val="35000"/>
+                  </a:schemeClr>
+                </a:solidFill>
+              </a:rPr>
+              <a:t>- From Wikipedia, the free encyclopedia</a:t>
+            </a:r>
+            <a:endParaRPr lang="en-US" i="1" dirty="0">
+              <a:solidFill>
+                <a:schemeClr val="tx1">
+                  <a:lumMod val="65000"/>
+                  <a:lumOff val="35000"/>
+                </a:schemeClr>
+              </a:solidFill>
+            </a:endParaRPr>
           </a:p>
         </p:txBody>
       </p:sp>
@@ -4117,6 +4158,434 @@
       </p:par>
     </p:tnLst>
   </p:timing>
+</p:sld>
+</file>
+
+<file path=ppt/slides/slide3.xml><?xml version="1.0" encoding="utf-8"?>
+<p:sld xmlns:a="http://schemas.openxmlformats.org/drawingml/2006/main" xmlns:r="http://schemas.openxmlformats.org/officeDocument/2006/relationships" xmlns:p="http://schemas.openxmlformats.org/presentationml/2006/main">
+  <p:cSld>
+    <p:spTree>
+      <p:nvGrpSpPr>
+        <p:cNvPr id="1" name=""/>
+        <p:cNvGrpSpPr/>
+        <p:nvPr/>
+      </p:nvGrpSpPr>
+      <p:grpSpPr>
+        <a:xfrm>
+          <a:off x="0" y="0"/>
+          <a:ext cx="0" cy="0"/>
+          <a:chOff x="0" y="0"/>
+          <a:chExt cx="0" cy="0"/>
+        </a:xfrm>
+      </p:grpSpPr>
+      <p:sp>
+        <p:nvSpPr>
+          <p:cNvPr id="2" name="Title 1"/>
+          <p:cNvSpPr>
+            <a:spLocks noGrp="1"/>
+          </p:cNvSpPr>
+          <p:nvPr>
+            <p:ph type="title"/>
+          </p:nvPr>
+        </p:nvSpPr>
+        <p:spPr/>
+        <p:txBody>
+          <a:bodyPr/>
+          <a:lstStyle/>
+          <a:p>
+            <a:r>
+              <a:rPr lang="en-US" cap="none" dirty="0" smtClean="0">
+                <a:effectLst>
+                  <a:outerShdw blurRad="38100" dist="38100" dir="2700000" algn="tl">
+                    <a:srgbClr val="000000">
+                      <a:alpha val="43137"/>
+                    </a:srgbClr>
+                  </a:outerShdw>
+                </a:effectLst>
+                <a:latin typeface="Script MT Bold" pitchFamily="66" charset="0"/>
+              </a:rPr>
+              <a:t>Principle of design pattern</a:t>
+            </a:r>
+            <a:endParaRPr lang="en-US" cap="none" dirty="0">
+              <a:effectLst>
+                <a:outerShdw blurRad="38100" dist="38100" dir="2700000" algn="tl">
+                  <a:srgbClr val="000000">
+                    <a:alpha val="43137"/>
+                  </a:srgbClr>
+                </a:outerShdw>
+              </a:effectLst>
+              <a:latin typeface="Script MT Bold" pitchFamily="66" charset="0"/>
+            </a:endParaRPr>
+          </a:p>
+        </p:txBody>
+      </p:sp>
+      <p:sp>
+        <p:nvSpPr>
+          <p:cNvPr id="3" name="Content Placeholder 2"/>
+          <p:cNvSpPr>
+            <a:spLocks noGrp="1"/>
+          </p:cNvSpPr>
+          <p:nvPr>
+            <p:ph idx="1"/>
+          </p:nvPr>
+        </p:nvSpPr>
+        <p:spPr/>
+        <p:txBody>
+          <a:bodyPr/>
+          <a:lstStyle/>
+          <a:p>
+            <a:r>
+              <a:rPr lang="en-US" dirty="0" smtClean="0"/>
+              <a:t>Open-Close Principle</a:t>
+            </a:r>
+          </a:p>
+          <a:p>
+            <a:r>
+              <a:rPr lang="en-US" dirty="0" smtClean="0"/>
+              <a:t>Law of Demeter</a:t>
+            </a:r>
+          </a:p>
+          <a:p>
+            <a:r>
+              <a:rPr lang="en-US" dirty="0" smtClean="0"/>
+              <a:t>Interface Segregation Principle</a:t>
+            </a:r>
+          </a:p>
+          <a:p>
+            <a:r>
+              <a:rPr lang="en-US" dirty="0" smtClean="0"/>
+              <a:t>Dependence Inversion Principle</a:t>
+            </a:r>
+          </a:p>
+          <a:p>
+            <a:r>
+              <a:rPr lang="en-US" dirty="0" err="1" smtClean="0"/>
+              <a:t>Liskov</a:t>
+            </a:r>
+            <a:r>
+              <a:rPr lang="en-US" dirty="0" smtClean="0"/>
+              <a:t> Substitution Principle</a:t>
+            </a:r>
+          </a:p>
+          <a:p>
+            <a:r>
+              <a:rPr lang="en-US" dirty="0" smtClean="0"/>
+              <a:t>Single Responsibility Principle</a:t>
+            </a:r>
+            <a:endParaRPr lang="en-US" dirty="0"/>
+          </a:p>
+        </p:txBody>
+      </p:sp>
+    </p:spTree>
+    <p:extLst>
+      <p:ext uri="{BB962C8B-B14F-4D97-AF65-F5344CB8AC3E}">
+        <p14:creationId xmlns:p14="http://schemas.microsoft.com/office/powerpoint/2010/main" val="792624156"/>
+      </p:ext>
+    </p:extLst>
+  </p:cSld>
+  <p:clrMapOvr>
+    <a:masterClrMapping/>
+  </p:clrMapOvr>
+  <p:timing>
+    <p:tnLst>
+      <p:par>
+        <p:cTn id="1" dur="indefinite" restart="never" nodeType="tmRoot"/>
+      </p:par>
+    </p:tnLst>
+  </p:timing>
+</p:sld>
+</file>
+
+<file path=ppt/slides/slide4.xml><?xml version="1.0" encoding="utf-8"?>
+<p:sld xmlns:a="http://schemas.openxmlformats.org/drawingml/2006/main" xmlns:r="http://schemas.openxmlformats.org/officeDocument/2006/relationships" xmlns:p="http://schemas.openxmlformats.org/presentationml/2006/main">
+  <p:cSld>
+    <p:spTree>
+      <p:nvGrpSpPr>
+        <p:cNvPr id="1" name=""/>
+        <p:cNvGrpSpPr/>
+        <p:nvPr/>
+      </p:nvGrpSpPr>
+      <p:grpSpPr>
+        <a:xfrm>
+          <a:off x="0" y="0"/>
+          <a:ext cx="0" cy="0"/>
+          <a:chOff x="0" y="0"/>
+          <a:chExt cx="0" cy="0"/>
+        </a:xfrm>
+      </p:grpSpPr>
+      <p:sp>
+        <p:nvSpPr>
+          <p:cNvPr id="2" name="Title 1"/>
+          <p:cNvSpPr>
+            <a:spLocks noGrp="1"/>
+          </p:cNvSpPr>
+          <p:nvPr>
+            <p:ph type="title"/>
+          </p:nvPr>
+        </p:nvSpPr>
+        <p:spPr/>
+        <p:txBody>
+          <a:bodyPr>
+            <a:normAutofit/>
+          </a:bodyPr>
+          <a:lstStyle/>
+          <a:p>
+            <a:r>
+              <a:rPr lang="en-US" altLang="zh-CN" cap="none" dirty="0" smtClean="0">
+                <a:effectLst>
+                  <a:outerShdw blurRad="38100" dist="38100" dir="2700000" algn="tl">
+                    <a:srgbClr val="000000">
+                      <a:alpha val="43137"/>
+                    </a:srgbClr>
+                  </a:outerShdw>
+                </a:effectLst>
+                <a:latin typeface="Script MT Bold" pitchFamily="66" charset="0"/>
+              </a:rPr>
+              <a:t>How many design pattern</a:t>
+            </a:r>
+            <a:endParaRPr lang="en-US" cap="none" dirty="0">
+              <a:effectLst>
+                <a:outerShdw blurRad="38100" dist="38100" dir="2700000" algn="tl">
+                  <a:srgbClr val="000000">
+                    <a:alpha val="43137"/>
+                  </a:srgbClr>
+                </a:outerShdw>
+              </a:effectLst>
+              <a:latin typeface="Script MT Bold" pitchFamily="66" charset="0"/>
+            </a:endParaRPr>
+          </a:p>
+        </p:txBody>
+      </p:sp>
+      <p:sp>
+        <p:nvSpPr>
+          <p:cNvPr id="5" name="Content Placeholder 4"/>
+          <p:cNvSpPr>
+            <a:spLocks noGrp="1"/>
+          </p:cNvSpPr>
+          <p:nvPr>
+            <p:ph idx="1"/>
+          </p:nvPr>
+        </p:nvSpPr>
+        <p:spPr/>
+        <p:txBody>
+          <a:bodyPr>
+            <a:normAutofit fontScale="92500" lnSpcReduction="10000"/>
+          </a:bodyPr>
+          <a:lstStyle/>
+          <a:p>
+            <a:r>
+              <a:rPr lang="en-US" dirty="0"/>
+              <a:t>Creational </a:t>
+            </a:r>
+            <a:r>
+              <a:rPr lang="en-US" dirty="0" smtClean="0"/>
+              <a:t>Patterns(5)</a:t>
+            </a:r>
+            <a:endParaRPr lang="en-US" dirty="0"/>
+          </a:p>
+          <a:p>
+            <a:pPr indent="0">
+              <a:buNone/>
+            </a:pPr>
+            <a:r>
+              <a:rPr lang="en-US" dirty="0" smtClean="0"/>
+              <a:t>Singleton, Factory method, Abstract factory, Builder, Prototype</a:t>
+            </a:r>
+          </a:p>
+          <a:p>
+            <a:r>
+              <a:rPr lang="en-US" dirty="0"/>
+              <a:t>Structural </a:t>
+            </a:r>
+            <a:r>
+              <a:rPr lang="en-US" dirty="0" smtClean="0"/>
+              <a:t>Patterns(7)</a:t>
+            </a:r>
+          </a:p>
+          <a:p>
+            <a:pPr indent="0">
+              <a:buNone/>
+            </a:pPr>
+            <a:r>
+              <a:rPr lang="en-US" dirty="0" smtClean="0"/>
+              <a:t>Adapter, Bridge, Composite, Decorator, Facade, Flyweight, Proxy</a:t>
+            </a:r>
+          </a:p>
+          <a:p>
+            <a:r>
+              <a:rPr lang="en-US" dirty="0"/>
+              <a:t>Behavioral </a:t>
+            </a:r>
+            <a:r>
+              <a:rPr lang="en-US" dirty="0" smtClean="0"/>
+              <a:t>Patterns(10)</a:t>
+            </a:r>
+            <a:endParaRPr lang="en-US" dirty="0"/>
+          </a:p>
+          <a:p>
+            <a:pPr indent="0">
+              <a:buNone/>
+            </a:pPr>
+            <a:r>
+              <a:rPr lang="en-US" dirty="0" smtClean="0"/>
+              <a:t>Chain </a:t>
+            </a:r>
+            <a:r>
+              <a:rPr lang="en-US" dirty="0"/>
+              <a:t>of </a:t>
+            </a:r>
+            <a:r>
+              <a:rPr lang="en-US" dirty="0" smtClean="0"/>
+              <a:t>resp., Command, Interpreter, Iterator, Mediator, Observer, State, Strategy, Template method, Visitor</a:t>
+            </a:r>
+            <a:endParaRPr lang="en-US" dirty="0"/>
+          </a:p>
+        </p:txBody>
+      </p:sp>
+    </p:spTree>
+    <p:extLst>
+      <p:ext uri="{BB962C8B-B14F-4D97-AF65-F5344CB8AC3E}">
+        <p14:creationId xmlns:p14="http://schemas.microsoft.com/office/powerpoint/2010/main" val="518749715"/>
+      </p:ext>
+    </p:extLst>
+  </p:cSld>
+  <p:clrMapOvr>
+    <a:masterClrMapping/>
+  </p:clrMapOvr>
+  <p:timing>
+    <p:tnLst>
+      <p:par>
+        <p:cTn id="1" dur="indefinite" restart="never" nodeType="tmRoot"/>
+      </p:par>
+    </p:tnLst>
+  </p:timing>
+</p:sld>
+</file>
+
+<file path=ppt/slides/slide5.xml><?xml version="1.0" encoding="utf-8"?>
+<p:sld xmlns:a="http://schemas.openxmlformats.org/drawingml/2006/main" xmlns:r="http://schemas.openxmlformats.org/officeDocument/2006/relationships" xmlns:p="http://schemas.openxmlformats.org/presentationml/2006/main">
+  <p:cSld>
+    <p:spTree>
+      <p:nvGrpSpPr>
+        <p:cNvPr id="1" name=""/>
+        <p:cNvGrpSpPr/>
+        <p:nvPr/>
+      </p:nvGrpSpPr>
+      <p:grpSpPr>
+        <a:xfrm>
+          <a:off x="0" y="0"/>
+          <a:ext cx="0" cy="0"/>
+          <a:chOff x="0" y="0"/>
+          <a:chExt cx="0" cy="0"/>
+        </a:xfrm>
+      </p:grpSpPr>
+      <p:sp>
+        <p:nvSpPr>
+          <p:cNvPr id="3" name="Vertical Text Placeholder 2"/>
+          <p:cNvSpPr>
+            <a:spLocks noGrp="1"/>
+          </p:cNvSpPr>
+          <p:nvPr>
+            <p:ph type="body" orient="vert" idx="1"/>
+          </p:nvPr>
+        </p:nvSpPr>
+        <p:spPr>
+          <a:xfrm>
+            <a:off x="1371600" y="1295400"/>
+            <a:ext cx="6400800" cy="4191001"/>
+          </a:xfrm>
+          <a:noFill/>
+        </p:spPr>
+        <p:txBody>
+          <a:bodyPr vert="horz"/>
+          <a:lstStyle/>
+          <a:p>
+            <a:r>
+              <a:rPr lang="en-US" b="1" dirty="0"/>
+              <a:t>Open-Close Principle</a:t>
+            </a:r>
+          </a:p>
+          <a:p>
+            <a:pPr indent="0">
+              <a:buNone/>
+            </a:pPr>
+            <a:r>
+              <a:rPr lang="en-US" sz="2400" dirty="0" smtClean="0"/>
+              <a:t>S</a:t>
+            </a:r>
+            <a:r>
+              <a:rPr lang="en-US" dirty="0" smtClean="0"/>
+              <a:t>oftware </a:t>
+            </a:r>
+            <a:r>
+              <a:rPr lang="en-US" dirty="0"/>
+              <a:t>entities (classes, modules, functions, etc.) should be open for extension, but closed for </a:t>
+            </a:r>
+            <a:r>
+              <a:rPr lang="en-US" dirty="0" smtClean="0"/>
+              <a:t>modification</a:t>
+            </a:r>
+          </a:p>
+          <a:p>
+            <a:pPr marL="285750" indent="-285750" algn="r">
+              <a:buFontTx/>
+              <a:buChar char="-"/>
+            </a:pPr>
+            <a:r>
+              <a:rPr lang="en-US" sz="1600" i="1" dirty="0" smtClean="0"/>
+              <a:t>Meyer</a:t>
+            </a:r>
+            <a:r>
+              <a:rPr lang="en-US" sz="1600" i="1" dirty="0"/>
+              <a:t>, Bertrand</a:t>
+            </a:r>
+            <a:r>
+              <a:rPr lang="en-US" sz="1600" dirty="0"/>
+              <a:t> (1988). </a:t>
+            </a:r>
+            <a:r>
+              <a:rPr lang="en-US" sz="1600" i="1" dirty="0" smtClean="0"/>
+              <a:t>Object-Oriented </a:t>
+            </a:r>
+            <a:r>
+              <a:rPr lang="en-US" sz="1600" i="1" dirty="0"/>
+              <a:t>Software Construction</a:t>
+            </a:r>
+            <a:r>
+              <a:rPr lang="en-US" sz="1600" dirty="0" smtClean="0"/>
+              <a:t>.</a:t>
+            </a:r>
+          </a:p>
+          <a:p>
+            <a:pPr marL="285750" indent="-285750"/>
+            <a:r>
+              <a:rPr lang="en-US" b="1" dirty="0"/>
+              <a:t>Law of Demeter</a:t>
+            </a:r>
+          </a:p>
+          <a:p>
+            <a:pPr marL="285750" indent="-285750"/>
+            <a:endParaRPr lang="en-US" sz="1600" dirty="0" smtClean="0"/>
+          </a:p>
+          <a:p>
+            <a:pPr marL="285750" indent="-285750">
+              <a:buFontTx/>
+              <a:buChar char="-"/>
+            </a:pPr>
+            <a:endParaRPr lang="en-US" sz="1600" dirty="0"/>
+          </a:p>
+        </p:txBody>
+      </p:sp>
+    </p:spTree>
+    <p:extLst>
+      <p:ext uri="{BB962C8B-B14F-4D97-AF65-F5344CB8AC3E}">
+        <p14:creationId xmlns:p14="http://schemas.microsoft.com/office/powerpoint/2010/main" val="2433962848"/>
+      </p:ext>
+    </p:extLst>
+  </p:cSld>
+  <p:clrMapOvr>
+    <a:masterClrMapping/>
+  </p:clrMapOvr>
 </p:sld>
 </file>
 
